--- a/06.Closed Systems.pptx
+++ b/06.Closed Systems.pptx
@@ -4862,8 +4862,8 @@
         </p:nvSpPr>
         <p:spPr>
           <a:xfrm>
-            <a:off x="4905312" y="4343400"/>
-            <a:ext cx="1326004" cy="369332"/>
+            <a:off x="4918137" y="4343400"/>
+            <a:ext cx="1300356" cy="369332"/>
           </a:xfrm>
           <a:prstGeom prst="rect">
             <a:avLst/>
@@ -4889,7 +4889,7 @@
                 </a:solidFill>
                 <a:hlinkClick r:id="rId3"/>
               </a:rPr>
-              <a:t>Example 4</a:t>
+              <a:t>Solution 4</a:t>
             </a:r>
             <a:endParaRPr lang="en-US" b="1" dirty="0">
               <a:solidFill>
@@ -9200,8 +9200,8 @@
         </p:nvSpPr>
         <p:spPr>
           <a:xfrm>
-            <a:off x="5794948" y="3507581"/>
-            <a:ext cx="1326004" cy="369332"/>
+            <a:off x="5807773" y="3507581"/>
+            <a:ext cx="1300356" cy="369332"/>
           </a:xfrm>
           <a:prstGeom prst="rect">
             <a:avLst/>
@@ -9227,7 +9227,7 @@
                 </a:solidFill>
                 <a:hlinkClick r:id="rId3"/>
               </a:rPr>
-              <a:t>Example 5</a:t>
+              <a:t>Solution 5</a:t>
             </a:r>
             <a:endParaRPr lang="en-US" b="1" dirty="0">
               <a:solidFill>
@@ -10401,8 +10401,8 @@
         </p:nvSpPr>
         <p:spPr>
           <a:xfrm>
-            <a:off x="5442523" y="4114800"/>
-            <a:ext cx="1326004" cy="369332"/>
+            <a:off x="5455348" y="4114800"/>
+            <a:ext cx="1300356" cy="369332"/>
           </a:xfrm>
           <a:prstGeom prst="rect">
             <a:avLst/>
@@ -10428,7 +10428,7 @@
                 </a:solidFill>
                 <a:hlinkClick r:id="rId3"/>
               </a:rPr>
-              <a:t>Example 6</a:t>
+              <a:t>Solution 6</a:t>
             </a:r>
             <a:endParaRPr lang="en-US" b="1" dirty="0">
               <a:solidFill>
@@ -12027,8 +12027,8 @@
         </p:nvSpPr>
         <p:spPr>
           <a:xfrm>
-            <a:off x="3908998" y="3244334"/>
-            <a:ext cx="1326004" cy="369332"/>
+            <a:off x="3921823" y="3244334"/>
+            <a:ext cx="1300356" cy="369332"/>
           </a:xfrm>
           <a:prstGeom prst="rect">
             <a:avLst/>
@@ -12054,7 +12054,7 @@
                 </a:solidFill>
                 <a:hlinkClick r:id="rId2"/>
               </a:rPr>
-              <a:t>Example 1</a:t>
+              <a:t>Solution 1</a:t>
             </a:r>
             <a:endParaRPr lang="en-US" b="1" dirty="0">
               <a:solidFill>
@@ -12222,8 +12222,8 @@
         </p:nvSpPr>
         <p:spPr>
           <a:xfrm>
-            <a:off x="3908998" y="3566597"/>
-            <a:ext cx="1326004" cy="369332"/>
+            <a:off x="3921823" y="3566597"/>
+            <a:ext cx="1300356" cy="369332"/>
           </a:xfrm>
           <a:prstGeom prst="rect">
             <a:avLst/>
@@ -12249,7 +12249,7 @@
                 </a:solidFill>
                 <a:hlinkClick r:id="rId2"/>
               </a:rPr>
-              <a:t>Example 2</a:t>
+              <a:t>Solution 2</a:t>
             </a:r>
             <a:endParaRPr lang="en-US" b="1" dirty="0">
               <a:solidFill>
@@ -13194,8 +13194,8 @@
         </p:nvSpPr>
         <p:spPr>
           <a:xfrm>
-            <a:off x="7024366" y="2983468"/>
-            <a:ext cx="1326004" cy="369332"/>
+            <a:off x="7037191" y="2983468"/>
+            <a:ext cx="1300356" cy="369332"/>
           </a:xfrm>
           <a:prstGeom prst="rect">
             <a:avLst/>
@@ -13345,7 +13345,7 @@
                 </a:solidFill>
                 <a:hlinkClick r:id="rId4"/>
               </a:rPr>
-              <a:t>Example 3</a:t>
+              <a:t>Solution 3</a:t>
             </a:r>
             <a:endParaRPr lang="en-US" b="1" dirty="0">
               <a:solidFill>
